--- a/G20 group of twenty.pptx
+++ b/G20 group of twenty.pptx
@@ -12,6 +12,7 @@
   </p:handoutMasterIdLst>
   <p:sldIdLst>
     <p:sldId id="256" r:id="rId4"/>
+    <p:sldId id="257" r:id="rId5"/>
   </p:sldIdLst>
   <p:sldSz cx="12188825" cy="6858000"/>
   <p:notesSz cx="6858000" cy="9144000"/>
@@ -217,7 +218,7 @@
               <a:pPr rtl="0">
                 <a:defRPr/>
               </a:pPr>
-              <a:t>2021-05-21</a:t>
+              <a:t>2021-05-25</a:t>
             </a:fld>
             <a:endParaRPr lang="ko-KR" altLang="en-US">
               <a:latin typeface="맑은 고딕"/>
@@ -425,7 +426,7 @@
               <a:pPr lvl="0">
                 <a:defRPr/>
               </a:pPr>
-              <a:t>2021-05-21</a:t>
+              <a:t>2021-05-25</a:t>
             </a:fld>
             <a:endParaRPr lang="ko-KR" altLang="en-US"/>
           </a:p>
@@ -47505,6 +47506,91 @@
 </p:sld>
 </file>
 
+<file path=ppt/slides/slide2.xml><?xml version="1.0" encoding="utf-8"?>
+<p:sld xmlns:r="http://schemas.openxmlformats.org/officeDocument/2006/relationships" xmlns:c="http://schemas.openxmlformats.org/drawingml/2006/chart" xmlns:a="http://schemas.openxmlformats.org/drawingml/2006/main" xmlns:dgm="http://schemas.openxmlformats.org/drawingml/2006/diagram" xmlns:dsp="http://schemas.microsoft.com/office/drawing/2008/diagram" xmlns:p="http://schemas.openxmlformats.org/presentationml/2006/main">
+  <p:cSld>
+    <p:spTree>
+      <p:nvGrpSpPr>
+        <p:cNvPr id="1" name=""/>
+        <p:cNvGrpSpPr/>
+        <p:nvPr/>
+      </p:nvGrpSpPr>
+      <p:grpSpPr>
+        <a:xfrm>
+          <a:off x="0" y="0"/>
+          <a:ext cx="0" cy="0"/>
+          <a:chOff x="0" y="0"/>
+          <a:chExt cx="0" cy="0"/>
+        </a:xfrm>
+      </p:grpSpPr>
+      <p:sp>
+        <p:nvSpPr>
+          <p:cNvPr id="2" name="제목 1"/>
+          <p:cNvSpPr>
+            <a:spLocks noGrp="1"/>
+          </p:cNvSpPr>
+          <p:nvPr>
+            <p:ph type="ctrTitle" idx="0"/>
+          </p:nvPr>
+        </p:nvSpPr>
+        <p:spPr/>
+        <p:txBody>
+          <a:bodyPr/>
+          <a:lstStyle/>
+          <a:p>
+            <a:pPr>
+              <a:defRPr/>
+            </a:pPr>
+            <a:r>
+              <a:rPr lang="ko-KR" altLang="en-US"/>
+              <a:t/>
+            </a:r>
+            <a:endParaRPr lang="ko-KR" altLang="en-US"/>
+          </a:p>
+        </p:txBody>
+      </p:sp>
+      <p:sp>
+        <p:nvSpPr>
+          <p:cNvPr id="3" name="부제목 2"/>
+          <p:cNvSpPr>
+            <a:spLocks noGrp="1"/>
+          </p:cNvSpPr>
+          <p:nvPr>
+            <p:ph type="subTitle" idx="1"/>
+          </p:nvPr>
+        </p:nvSpPr>
+        <p:spPr/>
+        <p:txBody>
+          <a:bodyPr/>
+          <a:lstStyle/>
+          <a:p>
+            <a:pPr>
+              <a:defRPr/>
+            </a:pPr>
+            <a:r>
+              <a:rPr lang="ko-KR" altLang="en-US"/>
+              <a:t/>
+            </a:r>
+            <a:endParaRPr lang="ko-KR" altLang="en-US"/>
+          </a:p>
+        </p:txBody>
+      </p:sp>
+    </p:spTree>
+  </p:cSld>
+  <p:clrMapOvr>
+    <a:masterClrMapping/>
+  </p:clrMapOvr>
+  <mc:AlternateContent xmlns:mc="http://schemas.openxmlformats.org/markup-compatibility/2006">
+    <mc:Choice xmlns:p14="http://schemas.microsoft.com/office/powerpoint/2010/main" Requires="p14">
+      <p:transition xmlns:mc="http://schemas.openxmlformats.org/markup-compatibility/2006" xmlns:p14="http://schemas.microsoft.com/office/powerpoint/2010/main" mc:Ignorable="p14" p14:dur="500"/>
+    </mc:Choice>
+    <mc:Fallback>
+      <p:transition/>
+    </mc:Fallback>
+  </mc:AlternateContent>
+</p:sld>
+</file>
+
 <file path=ppt/theme/theme1.xml><?xml version="1.0" encoding="utf-8"?>
 <a:theme xmlns:r="http://schemas.openxmlformats.org/officeDocument/2006/relationships" xmlns:c="http://schemas.openxmlformats.org/drawingml/2006/chart" xmlns:dgm="http://schemas.openxmlformats.org/drawingml/2006/diagram" xmlns:dsp="http://schemas.microsoft.com/office/drawing/2008/diagram" xmlns:a="http://schemas.openxmlformats.org/drawingml/2006/main" xmlns:pic="http://schemas.openxmlformats.org/drawingml/2006/picture" xmlns:wp="http://schemas.openxmlformats.org/drawingml/2006/wordprocessingDrawing" xmlns:xdr="http://schemas.openxmlformats.org/drawingml/2006/spreadsheetDrawing" name="유럽 대륙 16x9">
   <a:themeElements>
